--- a/doc/毕设阶段讨论14.pptx
+++ b/doc/毕设阶段讨论14.pptx
@@ -6,9 +6,13 @@
   </p:sldMasterIdLst>
   <p:sldIdLst>
     <p:sldId id="256" r:id="rId2"/>
-    <p:sldId id="257" r:id="rId3"/>
+    <p:sldId id="260" r:id="rId3"/>
     <p:sldId id="258" r:id="rId4"/>
-    <p:sldId id="259" r:id="rId5"/>
+    <p:sldId id="262" r:id="rId5"/>
+    <p:sldId id="264" r:id="rId6"/>
+    <p:sldId id="265" r:id="rId7"/>
+    <p:sldId id="257" r:id="rId8"/>
+    <p:sldId id="266" r:id="rId9"/>
   </p:sldIdLst>
   <p:sldSz cx="12192000" cy="6858000"/>
   <p:notesSz cx="6858000" cy="9144000"/>
@@ -107,6 +111,11 @@
       </a:defRPr>
     </a:lvl9pPr>
   </p:defaultTextStyle>
+  <p:extLst>
+    <p:ext uri="{EFAFB233-063F-42B5-8137-9DF3F51BA10A}">
+      <p15:sldGuideLst xmlns:p15="http://schemas.microsoft.com/office/powerpoint/2012/main"/>
+    </p:ext>
+  </p:extLst>
 </p:presentation>
 </file>
 
@@ -241,7 +250,7 @@
           <a:p>
             <a:fld id="{1757CD95-036F-49A8-A647-CDCD27037AB1}" type="datetimeFigureOut">
               <a:rPr lang="zh-CN" altLang="en-US" smtClean="0"/>
-              <a:t>2018/4/26</a:t>
+              <a:t>2018/5/6</a:t>
             </a:fld>
             <a:endParaRPr lang="zh-CN" altLang="en-US"/>
           </a:p>
@@ -411,7 +420,7 @@
           <a:p>
             <a:fld id="{1757CD95-036F-49A8-A647-CDCD27037AB1}" type="datetimeFigureOut">
               <a:rPr lang="zh-CN" altLang="en-US" smtClean="0"/>
-              <a:t>2018/4/26</a:t>
+              <a:t>2018/5/6</a:t>
             </a:fld>
             <a:endParaRPr lang="zh-CN" altLang="en-US"/>
           </a:p>
@@ -591,7 +600,7 @@
           <a:p>
             <a:fld id="{1757CD95-036F-49A8-A647-CDCD27037AB1}" type="datetimeFigureOut">
               <a:rPr lang="zh-CN" altLang="en-US" smtClean="0"/>
-              <a:t>2018/4/26</a:t>
+              <a:t>2018/5/6</a:t>
             </a:fld>
             <a:endParaRPr lang="zh-CN" altLang="en-US"/>
           </a:p>
@@ -761,7 +770,7 @@
           <a:p>
             <a:fld id="{1757CD95-036F-49A8-A647-CDCD27037AB1}" type="datetimeFigureOut">
               <a:rPr lang="zh-CN" altLang="en-US" smtClean="0"/>
-              <a:t>2018/4/26</a:t>
+              <a:t>2018/5/6</a:t>
             </a:fld>
             <a:endParaRPr lang="zh-CN" altLang="en-US"/>
           </a:p>
@@ -819,6 +828,13 @@
   <p:clrMapOvr>
     <a:masterClrMapping/>
   </p:clrMapOvr>
+  <p:timing>
+    <p:tnLst>
+      <p:par>
+        <p:cTn id="1" dur="indefinite" restart="never" nodeType="tmRoot"/>
+      </p:par>
+    </p:tnLst>
+  </p:timing>
 </p:sldLayout>
 </file>
 
@@ -1007,7 +1023,7 @@
           <a:p>
             <a:fld id="{1757CD95-036F-49A8-A647-CDCD27037AB1}" type="datetimeFigureOut">
               <a:rPr lang="zh-CN" altLang="en-US" smtClean="0"/>
-              <a:t>2018/4/26</a:t>
+              <a:t>2018/5/6</a:t>
             </a:fld>
             <a:endParaRPr lang="zh-CN" altLang="en-US"/>
           </a:p>
@@ -1239,7 +1255,7 @@
           <a:p>
             <a:fld id="{1757CD95-036F-49A8-A647-CDCD27037AB1}" type="datetimeFigureOut">
               <a:rPr lang="zh-CN" altLang="en-US" smtClean="0"/>
-              <a:t>2018/4/26</a:t>
+              <a:t>2018/5/6</a:t>
             </a:fld>
             <a:endParaRPr lang="zh-CN" altLang="en-US"/>
           </a:p>
@@ -1606,7 +1622,7 @@
           <a:p>
             <a:fld id="{1757CD95-036F-49A8-A647-CDCD27037AB1}" type="datetimeFigureOut">
               <a:rPr lang="zh-CN" altLang="en-US" smtClean="0"/>
-              <a:t>2018/4/26</a:t>
+              <a:t>2018/5/6</a:t>
             </a:fld>
             <a:endParaRPr lang="zh-CN" altLang="en-US"/>
           </a:p>
@@ -1724,7 +1740,7 @@
           <a:p>
             <a:fld id="{1757CD95-036F-49A8-A647-CDCD27037AB1}" type="datetimeFigureOut">
               <a:rPr lang="zh-CN" altLang="en-US" smtClean="0"/>
-              <a:t>2018/4/26</a:t>
+              <a:t>2018/5/6</a:t>
             </a:fld>
             <a:endParaRPr lang="zh-CN" altLang="en-US"/>
           </a:p>
@@ -1819,7 +1835,7 @@
           <a:p>
             <a:fld id="{1757CD95-036F-49A8-A647-CDCD27037AB1}" type="datetimeFigureOut">
               <a:rPr lang="zh-CN" altLang="en-US" smtClean="0"/>
-              <a:t>2018/4/26</a:t>
+              <a:t>2018/5/6</a:t>
             </a:fld>
             <a:endParaRPr lang="zh-CN" altLang="en-US"/>
           </a:p>
@@ -2096,7 +2112,7 @@
           <a:p>
             <a:fld id="{1757CD95-036F-49A8-A647-CDCD27037AB1}" type="datetimeFigureOut">
               <a:rPr lang="zh-CN" altLang="en-US" smtClean="0"/>
-              <a:t>2018/4/26</a:t>
+              <a:t>2018/5/6</a:t>
             </a:fld>
             <a:endParaRPr lang="zh-CN" altLang="en-US"/>
           </a:p>
@@ -2349,7 +2365,7 @@
           <a:p>
             <a:fld id="{1757CD95-036F-49A8-A647-CDCD27037AB1}" type="datetimeFigureOut">
               <a:rPr lang="zh-CN" altLang="en-US" smtClean="0"/>
-              <a:t>2018/4/26</a:t>
+              <a:t>2018/5/6</a:t>
             </a:fld>
             <a:endParaRPr lang="zh-CN" altLang="en-US"/>
           </a:p>
@@ -2562,7 +2578,7 @@
           <a:p>
             <a:fld id="{1757CD95-036F-49A8-A647-CDCD27037AB1}" type="datetimeFigureOut">
               <a:rPr lang="zh-CN" altLang="en-US" smtClean="0"/>
-              <a:t>2018/4/26</a:t>
+              <a:t>2018/5/6</a:t>
             </a:fld>
             <a:endParaRPr lang="zh-CN" altLang="en-US"/>
           </a:p>
@@ -3027,6 +3043,13 @@
   <p:clrMapOvr>
     <a:masterClrMapping/>
   </p:clrMapOvr>
+  <p:timing>
+    <p:tnLst>
+      <p:par>
+        <p:cTn id="1" dur="indefinite" restart="never" nodeType="tmRoot"/>
+      </p:par>
+    </p:tnLst>
+  </p:timing>
 </p:sld>
 </file>
 
@@ -3064,7 +3087,7 @@
           <a:p>
             <a:r>
               <a:rPr lang="zh-CN" altLang="en-US" dirty="0" smtClean="0"/>
-              <a:t>集中平台的路由存储</a:t>
+              <a:t>系统实现</a:t>
             </a:r>
             <a:endParaRPr lang="zh-CN" altLang="en-US" dirty="0"/>
           </a:p>
@@ -3086,75 +3109,27 @@
           <a:lstStyle/>
           <a:p>
             <a:r>
+              <a:rPr lang="zh-CN" altLang="en-US" dirty="0" smtClean="0"/>
+              <a:t>路由策略</a:t>
+            </a:r>
+            <a:endParaRPr lang="en-US" altLang="zh-CN" dirty="0" smtClean="0"/>
+          </a:p>
+          <a:p>
+            <a:r>
               <a:rPr lang="zh-CN" altLang="en-US" dirty="0"/>
-              <a:t>集中</a:t>
-            </a:r>
-            <a:r>
-              <a:rPr lang="zh-CN" altLang="en-US" dirty="0" smtClean="0"/>
-              <a:t>平台针对每台边界路由器分别存储</a:t>
+              <a:t>路由</a:t>
+            </a:r>
+            <a:r>
+              <a:rPr lang="zh-CN" altLang="en-US" dirty="0" smtClean="0"/>
+              <a:t>存储</a:t>
             </a:r>
             <a:endParaRPr lang="en-US" altLang="zh-CN" dirty="0" smtClean="0"/>
           </a:p>
           <a:p>
-            <a:pPr lvl="1"/>
-            <a:r>
-              <a:rPr lang="en-US" altLang="zh-CN" dirty="0" err="1" smtClean="0"/>
-              <a:t>Adj</a:t>
-            </a:r>
-            <a:r>
-              <a:rPr lang="en-US" altLang="zh-CN" dirty="0" smtClean="0"/>
-              <a:t>-RIB-In</a:t>
-            </a:r>
-          </a:p>
-          <a:p>
-            <a:pPr lvl="1"/>
-            <a:r>
-              <a:rPr lang="en-US" altLang="zh-CN" dirty="0" smtClean="0"/>
-              <a:t>Private-</a:t>
-            </a:r>
-            <a:r>
-              <a:rPr lang="en-US" altLang="zh-CN" dirty="0" err="1" smtClean="0"/>
-              <a:t>Loc</a:t>
-            </a:r>
-            <a:r>
-              <a:rPr lang="en-US" altLang="zh-CN" dirty="0" smtClean="0"/>
-              <a:t>-RIB</a:t>
-            </a:r>
-          </a:p>
-          <a:p>
-            <a:pPr lvl="1"/>
-            <a:r>
-              <a:rPr lang="en-US" altLang="zh-CN" dirty="0" err="1" smtClean="0"/>
-              <a:t>Adj</a:t>
-            </a:r>
-            <a:r>
-              <a:rPr lang="en-US" altLang="zh-CN" dirty="0" smtClean="0"/>
-              <a:t>-RIB-Out</a:t>
-            </a:r>
-          </a:p>
-          <a:p>
-            <a:r>
-              <a:rPr lang="zh-CN" altLang="en-US" dirty="0" smtClean="0"/>
-              <a:t>集中平台存储</a:t>
-            </a:r>
-            <a:endParaRPr lang="en-US" altLang="zh-CN" dirty="0" smtClean="0"/>
-          </a:p>
-          <a:p>
-            <a:pPr lvl="1"/>
-            <a:r>
-              <a:rPr lang="en-US" altLang="zh-CN" dirty="0" smtClean="0"/>
-              <a:t>Public-</a:t>
-            </a:r>
-            <a:r>
-              <a:rPr lang="en-US" altLang="zh-CN" dirty="0" err="1" smtClean="0"/>
-              <a:t>Loc</a:t>
-            </a:r>
-            <a:r>
-              <a:rPr lang="en-US" altLang="zh-CN" dirty="0" smtClean="0"/>
-              <a:t>-RIB</a:t>
-            </a:r>
-          </a:p>
-          <a:p>
+            <a:r>
+              <a:rPr lang="zh-CN" altLang="en-US" dirty="0" smtClean="0"/>
+              <a:t>路由计算</a:t>
+            </a:r>
             <a:endParaRPr lang="zh-CN" altLang="en-US" dirty="0"/>
           </a:p>
         </p:txBody>
@@ -3162,13 +3137,20 @@
     </p:spTree>
     <p:extLst>
       <p:ext uri="{BB962C8B-B14F-4D97-AF65-F5344CB8AC3E}">
-        <p14:creationId xmlns:p14="http://schemas.microsoft.com/office/powerpoint/2010/main" val="1828250445"/>
+        <p14:creationId xmlns:p14="http://schemas.microsoft.com/office/powerpoint/2010/main" val="2057817608"/>
       </p:ext>
     </p:extLst>
   </p:cSld>
   <p:clrMapOvr>
     <a:masterClrMapping/>
   </p:clrMapOvr>
+  <p:timing>
+    <p:tnLst>
+      <p:par>
+        <p:cTn id="1" dur="indefinite" restart="never" nodeType="tmRoot"/>
+      </p:par>
+    </p:tnLst>
+  </p:timing>
 </p:sld>
 </file>
 
@@ -3260,11 +3242,7 @@
             </a:r>
             <a:r>
               <a:rPr lang="en-US" altLang="zh-CN" dirty="0" smtClean="0"/>
-              <a:t> access-list [] </a:t>
-            </a:r>
-            <a:r>
-              <a:rPr lang="en-US" altLang="zh-CN" dirty="0" smtClean="0"/>
-              <a:t>permit/deny {}</a:t>
+              <a:t> access-list [] permit/deny {}</a:t>
             </a:r>
           </a:p>
           <a:p>
@@ -3279,11 +3257,7 @@
             </a:r>
             <a:r>
               <a:rPr lang="en-US" altLang="zh-CN" dirty="0" smtClean="0"/>
-              <a:t> </a:t>
-            </a:r>
-            <a:r>
-              <a:rPr lang="en-US" altLang="zh-CN" dirty="0" smtClean="0"/>
-              <a:t>prefix-list [] in/out</a:t>
+              <a:t> prefix-list [] in/out</a:t>
             </a:r>
           </a:p>
           <a:p>
@@ -3313,11 +3287,7 @@
             </a:r>
             <a:r>
               <a:rPr lang="en-US" altLang="zh-CN" dirty="0" smtClean="0"/>
-              <a:t> </a:t>
-            </a:r>
-            <a:r>
-              <a:rPr lang="en-US" altLang="zh-CN" dirty="0" smtClean="0"/>
-              <a:t>filter-list [] in/out</a:t>
+              <a:t> filter-list [] in/out</a:t>
             </a:r>
           </a:p>
           <a:p>
@@ -3351,11 +3321,7 @@
             </a:r>
             <a:r>
               <a:rPr lang="en-US" altLang="zh-CN" dirty="0" smtClean="0"/>
-              <a:t> </a:t>
-            </a:r>
-            <a:r>
-              <a:rPr lang="en-US" altLang="zh-CN" dirty="0" smtClean="0"/>
-              <a:t>route-map [] in/out</a:t>
+              <a:t> route-map [] in/out</a:t>
             </a:r>
           </a:p>
           <a:p>
@@ -3402,6 +3368,13 @@
   <p:clrMapOvr>
     <a:masterClrMapping/>
   </p:clrMapOvr>
+  <p:timing>
+    <p:tnLst>
+      <p:par>
+        <p:cTn id="1" dur="indefinite" restart="never" nodeType="tmRoot"/>
+      </p:par>
+    </p:tnLst>
+  </p:timing>
 </p:sld>
 </file>
 
@@ -3438,12 +3411,12 @@
           <a:lstStyle/>
           <a:p>
             <a:r>
-              <a:rPr lang="zh-CN" altLang="en-US" dirty="0"/>
-              <a:t>集中</a:t>
-            </a:r>
-            <a:r>
-              <a:rPr lang="zh-CN" altLang="en-US" dirty="0" smtClean="0"/>
-              <a:t>平台的策略管理</a:t>
+              <a:rPr lang="en-US" altLang="zh-CN" dirty="0" smtClean="0"/>
+              <a:t>Quagga</a:t>
+            </a:r>
+            <a:r>
+              <a:rPr lang="zh-CN" altLang="en-US" dirty="0" smtClean="0"/>
+              <a:t>配置文件的解析</a:t>
             </a:r>
             <a:endParaRPr lang="zh-CN" altLang="en-US" dirty="0"/>
           </a:p>
@@ -3461,47 +3434,1123 @@
         </p:nvSpPr>
         <p:spPr/>
         <p:txBody>
-          <a:bodyPr/>
-          <a:lstStyle/>
-          <a:p>
-            <a:r>
-              <a:rPr lang="zh-CN" altLang="en-US" dirty="0" smtClean="0"/>
-              <a:t>分析</a:t>
+          <a:bodyPr>
+            <a:normAutofit/>
+          </a:bodyPr>
+          <a:lstStyle/>
+          <a:p>
+            <a:r>
+              <a:rPr lang="zh-CN" altLang="en-US" sz="1800" dirty="0" smtClean="0"/>
+              <a:t>配置文件</a:t>
+            </a:r>
+            <a:endParaRPr lang="en-US" altLang="zh-CN" sz="1800" dirty="0" smtClean="0"/>
+          </a:p>
+          <a:p>
+            <a:pPr lvl="1"/>
+            <a:r>
+              <a:rPr lang="en-US" altLang="zh-CN" sz="1800" dirty="0" err="1" smtClean="0"/>
+              <a:t>vty_read_config</a:t>
+            </a:r>
+            <a:r>
+              <a:rPr lang="en-US" altLang="zh-CN" sz="1800" dirty="0" smtClean="0"/>
+              <a:t>()  \\ </a:t>
+            </a:r>
+            <a:r>
+              <a:rPr lang="en-US" altLang="zh-CN" sz="1800" dirty="0" err="1" smtClean="0"/>
+              <a:t>bgp_main.c</a:t>
+            </a:r>
+            <a:r>
+              <a:rPr lang="en-US" altLang="zh-CN" sz="1800" dirty="0" smtClean="0"/>
+              <a:t> parse </a:t>
+            </a:r>
+            <a:r>
+              <a:rPr lang="en-US" altLang="zh-CN" sz="1800" dirty="0" err="1" smtClean="0"/>
+              <a:t>config</a:t>
+            </a:r>
+            <a:r>
+              <a:rPr lang="en-US" altLang="zh-CN" sz="1800" dirty="0" smtClean="0"/>
+              <a:t> file</a:t>
+            </a:r>
+          </a:p>
+          <a:p>
+            <a:pPr lvl="2"/>
+            <a:r>
+              <a:rPr lang="en-US" altLang="zh-CN" sz="1800" dirty="0" err="1"/>
+              <a:t>v</a:t>
+            </a:r>
+            <a:r>
+              <a:rPr lang="en-US" altLang="zh-CN" sz="1800" dirty="0" err="1" smtClean="0"/>
+              <a:t>ty_read_file</a:t>
+            </a:r>
+            <a:r>
+              <a:rPr lang="en-US" altLang="zh-CN" sz="1800" dirty="0" smtClean="0"/>
+              <a:t>()</a:t>
+            </a:r>
+          </a:p>
+          <a:p>
+            <a:pPr lvl="3"/>
+            <a:r>
+              <a:rPr lang="en-US" altLang="zh-CN" dirty="0" err="1" smtClean="0"/>
+              <a:t>Config_from_file</a:t>
+            </a:r>
+            <a:r>
+              <a:rPr lang="en-US" altLang="zh-CN" dirty="0" smtClean="0"/>
+              <a:t>()  \\execute configuration file</a:t>
+            </a:r>
+          </a:p>
+          <a:p>
+            <a:pPr lvl="4"/>
+            <a:r>
+              <a:rPr lang="en-US" altLang="zh-CN" dirty="0" err="1" smtClean="0"/>
+              <a:t>Command_config_read_one_line</a:t>
+            </a:r>
+            <a:r>
+              <a:rPr lang="en-US" altLang="zh-CN" dirty="0" smtClean="0"/>
+              <a:t> \\</a:t>
+            </a:r>
+            <a:r>
+              <a:rPr lang="zh-CN" altLang="en-US" dirty="0" smtClean="0"/>
+              <a:t>每行执行</a:t>
             </a:r>
             <a:endParaRPr lang="en-US" altLang="zh-CN" dirty="0" smtClean="0"/>
           </a:p>
           <a:p>
+            <a:pPr lvl="5"/>
+            <a:r>
+              <a:rPr lang="en-US" altLang="zh-CN" dirty="0" err="1" smtClean="0"/>
+              <a:t>Cmd_execute_command_strict</a:t>
+            </a:r>
+            <a:endParaRPr lang="en-US" altLang="zh-CN" dirty="0" smtClean="0"/>
+          </a:p>
+          <a:p>
+            <a:pPr lvl="6"/>
+            <a:r>
+              <a:rPr lang="en-US" altLang="zh-CN" dirty="0" err="1" smtClean="0">
+                <a:solidFill>
+                  <a:srgbClr val="FF0000"/>
+                </a:solidFill>
+              </a:rPr>
+              <a:t>Cmd_execute_command_real</a:t>
+            </a:r>
+            <a:r>
+              <a:rPr lang="en-US" altLang="zh-CN" dirty="0" smtClean="0">
+                <a:solidFill>
+                  <a:srgbClr val="FF0000"/>
+                </a:solidFill>
+              </a:rPr>
+              <a:t> \\ </a:t>
+            </a:r>
+            <a:r>
+              <a:rPr lang="en-US" altLang="zh-CN" dirty="0" err="1" smtClean="0">
+                <a:solidFill>
+                  <a:srgbClr val="FF0000"/>
+                </a:solidFill>
+              </a:rPr>
+              <a:t>vty</a:t>
+            </a:r>
+            <a:r>
+              <a:rPr lang="zh-CN" altLang="en-US" dirty="0" smtClean="0">
+                <a:solidFill>
+                  <a:srgbClr val="FF0000"/>
+                </a:solidFill>
+              </a:rPr>
+              <a:t>最后会执行这一行</a:t>
+            </a:r>
+            <a:endParaRPr lang="en-US" altLang="zh-CN" dirty="0" smtClean="0">
+              <a:solidFill>
+                <a:srgbClr val="FF0000"/>
+              </a:solidFill>
+            </a:endParaRPr>
+          </a:p>
+          <a:p>
+            <a:pPr lvl="7"/>
+            <a:r>
+              <a:rPr lang="en-US" altLang="zh-CN" dirty="0" err="1" smtClean="0"/>
+              <a:t>Cmd_parse</a:t>
+            </a:r>
+            <a:endParaRPr lang="en-US" altLang="zh-CN" dirty="0" smtClean="0"/>
+          </a:p>
+          <a:p>
+            <a:pPr lvl="8"/>
+            <a:r>
+              <a:rPr lang="en-US" altLang="zh-CN" dirty="0" err="1" smtClean="0"/>
+              <a:t>Cmd_element_match</a:t>
+            </a:r>
+            <a:r>
+              <a:rPr lang="zh-CN" altLang="en-US" dirty="0" smtClean="0"/>
+              <a:t>，</a:t>
+            </a:r>
+            <a:r>
+              <a:rPr lang="en-US" altLang="zh-CN" dirty="0" smtClean="0"/>
+              <a:t>DEFUN</a:t>
+            </a:r>
+            <a:r>
+              <a:rPr lang="zh-CN" altLang="en-US" dirty="0" smtClean="0"/>
+              <a:t>，信息保存（以</a:t>
+            </a:r>
+            <a:r>
+              <a:rPr lang="en-US" altLang="zh-CN" dirty="0" smtClean="0"/>
+              <a:t>filter</a:t>
+            </a:r>
+            <a:r>
+              <a:rPr lang="zh-CN" altLang="en-US" dirty="0" smtClean="0"/>
+              <a:t>为例</a:t>
+            </a:r>
+            <a:r>
+              <a:rPr lang="zh-CN" altLang="en-US" dirty="0" smtClean="0"/>
+              <a:t>）</a:t>
+            </a:r>
+            <a:endParaRPr lang="en-US" altLang="zh-CN" dirty="0" smtClean="0"/>
+          </a:p>
+          <a:p>
+            <a:pPr lvl="8"/>
+            <a:r>
+              <a:rPr lang="zh-CN" altLang="en-US" dirty="0" smtClean="0"/>
+              <a:t>语法树，匹配到根节点后，执行根节点的</a:t>
+            </a:r>
+            <a:r>
+              <a:rPr lang="en-US" altLang="zh-CN" dirty="0" smtClean="0"/>
+              <a:t>DEFUN</a:t>
+            </a:r>
+          </a:p>
+          <a:p>
+            <a:pPr lvl="8"/>
+            <a:r>
+              <a:rPr lang="zh-CN" altLang="en-US" dirty="0" smtClean="0"/>
+              <a:t>关键信息存储在数据结构中，比如策略存储在</a:t>
+            </a:r>
+            <a:r>
+              <a:rPr lang="en-US" altLang="zh-CN" dirty="0" smtClean="0"/>
+              <a:t>peer</a:t>
+            </a:r>
+            <a:r>
+              <a:rPr lang="zh-CN" altLang="en-US" dirty="0" smtClean="0"/>
+              <a:t>中</a:t>
+            </a:r>
+            <a:endParaRPr lang="en-US" altLang="zh-CN" dirty="0" smtClean="0"/>
+          </a:p>
+          <a:p>
+            <a:r>
+              <a:rPr lang="zh-CN" altLang="en-US" sz="1800" dirty="0" smtClean="0"/>
+              <a:t>思考，如果配置放在集中平台，集中平台是</a:t>
+            </a:r>
+            <a:r>
+              <a:rPr lang="en-US" altLang="zh-CN" sz="1800" dirty="0" smtClean="0"/>
+              <a:t>1</a:t>
+            </a:r>
+            <a:r>
+              <a:rPr lang="zh-CN" altLang="en-US" sz="1800" dirty="0" smtClean="0"/>
+              <a:t>台</a:t>
+            </a:r>
+            <a:r>
+              <a:rPr lang="en-US" altLang="zh-CN" sz="1800" dirty="0" smtClean="0"/>
+              <a:t>Route-Server</a:t>
+            </a:r>
+            <a:r>
+              <a:rPr lang="zh-CN" altLang="en-US" sz="1800" dirty="0" smtClean="0"/>
+              <a:t>，它的</a:t>
+            </a:r>
+            <a:r>
+              <a:rPr lang="en-US" altLang="zh-CN" sz="1800" dirty="0" smtClean="0"/>
+              <a:t>peer</a:t>
+            </a:r>
+            <a:r>
+              <a:rPr lang="zh-CN" altLang="en-US" sz="1800" dirty="0" smtClean="0"/>
+              <a:t>是一群边界路由器</a:t>
+            </a:r>
+            <a:endParaRPr lang="en-US" altLang="zh-CN" sz="1800" dirty="0" smtClean="0"/>
+          </a:p>
+          <a:p>
             <a:pPr lvl="1"/>
             <a:r>
-              <a:rPr lang="zh-CN" altLang="en-US" dirty="0"/>
-              <a:t>每</a:t>
-            </a:r>
-            <a:r>
-              <a:rPr lang="zh-CN" altLang="en-US" dirty="0" smtClean="0"/>
-              <a:t>台边界路由器上的策略配置，是针对其周围的</a:t>
-            </a:r>
-            <a:r>
-              <a:rPr lang="en-US" altLang="zh-CN" dirty="0" err="1" smtClean="0"/>
-              <a:t>eBGP</a:t>
-            </a:r>
-            <a:r>
-              <a:rPr lang="zh-CN" altLang="en-US" dirty="0" smtClean="0"/>
-              <a:t>邻居设定的</a:t>
-            </a:r>
-            <a:endParaRPr lang="zh-CN" altLang="en-US" dirty="0"/>
+              <a:rPr lang="zh-CN" altLang="en-US" sz="1400" dirty="0"/>
+              <a:t>边界</a:t>
+            </a:r>
+            <a:r>
+              <a:rPr lang="zh-CN" altLang="en-US" sz="1400" dirty="0" smtClean="0"/>
+              <a:t>路由器的配置文件放在集中平台上解析，边界路由器在</a:t>
+            </a:r>
+            <a:r>
+              <a:rPr lang="en-US" altLang="zh-CN" sz="1400" dirty="0" smtClean="0"/>
+              <a:t>Route-Server</a:t>
+            </a:r>
+            <a:r>
+              <a:rPr lang="zh-CN" altLang="en-US" sz="1400" dirty="0" smtClean="0"/>
+              <a:t>中是</a:t>
+            </a:r>
+            <a:r>
+              <a:rPr lang="en-US" altLang="zh-CN" sz="1400" dirty="0" smtClean="0"/>
+              <a:t>peer</a:t>
+            </a:r>
+            <a:r>
+              <a:rPr lang="zh-CN" altLang="en-US" sz="1400" dirty="0" smtClean="0"/>
+              <a:t>，则需在</a:t>
+            </a:r>
+            <a:r>
+              <a:rPr lang="en-US" altLang="zh-CN" sz="1400" dirty="0" smtClean="0"/>
+              <a:t>peer</a:t>
+            </a:r>
+            <a:r>
+              <a:rPr lang="zh-CN" altLang="en-US" sz="1400" dirty="0" smtClean="0"/>
+              <a:t>中继续建立</a:t>
+            </a:r>
+            <a:r>
+              <a:rPr lang="en-US" altLang="zh-CN" sz="1400" dirty="0" smtClean="0"/>
+              <a:t>peer</a:t>
+            </a:r>
+            <a:r>
+              <a:rPr lang="zh-CN" altLang="en-US" sz="1400" dirty="0" smtClean="0"/>
+              <a:t>的数据结构</a:t>
+            </a:r>
+            <a:endParaRPr lang="en-US" altLang="zh-CN" sz="1400" dirty="0" smtClean="0"/>
+          </a:p>
+          <a:p>
+            <a:pPr lvl="1"/>
+            <a:r>
+              <a:rPr lang="zh-CN" altLang="en-US" sz="1400" dirty="0" smtClean="0"/>
+              <a:t>且</a:t>
+            </a:r>
+            <a:r>
+              <a:rPr lang="en-US" altLang="zh-CN" sz="1400" dirty="0" smtClean="0"/>
+              <a:t>BR</a:t>
+            </a:r>
+            <a:r>
+              <a:rPr lang="zh-CN" altLang="en-US" sz="1400" dirty="0" smtClean="0"/>
+              <a:t>的配置不能在集中平台上进行命令行配置</a:t>
+            </a:r>
+            <a:r>
+              <a:rPr lang="zh-CN" altLang="en-US" sz="1400" dirty="0"/>
+              <a:t>，</a:t>
+            </a:r>
+            <a:r>
+              <a:rPr lang="zh-CN" altLang="en-US" sz="1400" dirty="0" smtClean="0"/>
+              <a:t>太多工作量，需要定义</a:t>
+            </a:r>
+            <a:r>
+              <a:rPr lang="en-US" altLang="zh-CN" sz="1400" dirty="0" smtClean="0"/>
+              <a:t>BR</a:t>
+            </a:r>
+            <a:r>
+              <a:rPr lang="zh-CN" altLang="en-US" sz="1400" dirty="0" smtClean="0"/>
+              <a:t>（</a:t>
+            </a:r>
+            <a:r>
+              <a:rPr lang="en-US" altLang="zh-CN" sz="1400" dirty="0" smtClean="0"/>
+              <a:t>peer-&gt;peer</a:t>
+            </a:r>
+            <a:r>
+              <a:rPr lang="zh-CN" altLang="en-US" sz="1400" dirty="0" smtClean="0"/>
+              <a:t>）的配置规则</a:t>
+            </a:r>
+            <a:r>
+              <a:rPr lang="en-US" altLang="zh-CN" sz="1400" dirty="0" smtClean="0"/>
+              <a:t>(</a:t>
+            </a:r>
+            <a:r>
+              <a:rPr lang="zh-CN" altLang="en-US" sz="1400" dirty="0" smtClean="0"/>
+              <a:t>是否保存</a:t>
+            </a:r>
+            <a:r>
+              <a:rPr lang="en-US" altLang="zh-CN" sz="1400" dirty="0" err="1" smtClean="0"/>
+              <a:t>Adj</a:t>
+            </a:r>
+            <a:r>
+              <a:rPr lang="en-US" altLang="zh-CN" sz="1400" dirty="0" smtClean="0"/>
+              <a:t>-RIB-In)</a:t>
+            </a:r>
+            <a:endParaRPr lang="en-US" altLang="zh-CN" sz="1400" dirty="0" smtClean="0"/>
           </a:p>
         </p:txBody>
       </p:sp>
     </p:spTree>
     <p:extLst>
       <p:ext uri="{BB962C8B-B14F-4D97-AF65-F5344CB8AC3E}">
-        <p14:creationId xmlns:p14="http://schemas.microsoft.com/office/powerpoint/2010/main" val="1858796970"/>
+        <p14:creationId xmlns:p14="http://schemas.microsoft.com/office/powerpoint/2010/main" val="337746378"/>
       </p:ext>
     </p:extLst>
   </p:cSld>
   <p:clrMapOvr>
     <a:masterClrMapping/>
   </p:clrMapOvr>
+  <p:timing>
+    <p:tnLst>
+      <p:par>
+        <p:cTn id="1" dur="indefinite" restart="never" nodeType="tmRoot"/>
+      </p:par>
+    </p:tnLst>
+  </p:timing>
+</p:sld>
+</file>
+
+<file path=ppt/slides/slide5.xml><?xml version="1.0" encoding="utf-8"?>
+<p:sld xmlns:a="http://schemas.openxmlformats.org/drawingml/2006/main" xmlns:r="http://schemas.openxmlformats.org/officeDocument/2006/relationships" xmlns:p="http://schemas.openxmlformats.org/presentationml/2006/main">
+  <p:cSld>
+    <p:spTree>
+      <p:nvGrpSpPr>
+        <p:cNvPr id="1" name=""/>
+        <p:cNvGrpSpPr/>
+        <p:nvPr/>
+      </p:nvGrpSpPr>
+      <p:grpSpPr>
+        <a:xfrm>
+          <a:off x="0" y="0"/>
+          <a:ext cx="0" cy="0"/>
+          <a:chOff x="0" y="0"/>
+          <a:chExt cx="0" cy="0"/>
+        </a:xfrm>
+      </p:grpSpPr>
+      <p:sp>
+        <p:nvSpPr>
+          <p:cNvPr id="2" name="标题 1"/>
+          <p:cNvSpPr>
+            <a:spLocks noGrp="1"/>
+          </p:cNvSpPr>
+          <p:nvPr>
+            <p:ph type="title"/>
+          </p:nvPr>
+        </p:nvSpPr>
+        <p:spPr/>
+        <p:txBody>
+          <a:bodyPr/>
+          <a:lstStyle/>
+          <a:p>
+            <a:r>
+              <a:rPr lang="zh-CN" altLang="en-US" dirty="0" smtClean="0"/>
+              <a:t>路由过滤</a:t>
+            </a:r>
+            <a:endParaRPr lang="zh-CN" altLang="en-US" dirty="0"/>
+          </a:p>
+        </p:txBody>
+      </p:sp>
+      <p:sp>
+        <p:nvSpPr>
+          <p:cNvPr id="3" name="内容占位符 2"/>
+          <p:cNvSpPr>
+            <a:spLocks noGrp="1"/>
+          </p:cNvSpPr>
+          <p:nvPr>
+            <p:ph idx="1"/>
+          </p:nvPr>
+        </p:nvSpPr>
+        <p:spPr/>
+        <p:txBody>
+          <a:bodyPr/>
+          <a:lstStyle/>
+          <a:p>
+            <a:r>
+              <a:rPr lang="en-US" altLang="zh-CN" dirty="0" err="1" smtClean="0"/>
+              <a:t>Bgp_input_filter</a:t>
+            </a:r>
+            <a:r>
+              <a:rPr lang="en-US" altLang="zh-CN" dirty="0" smtClean="0"/>
+              <a:t>  || </a:t>
+            </a:r>
+            <a:r>
+              <a:rPr lang="en-US" altLang="zh-CN" dirty="0" err="1" smtClean="0"/>
+              <a:t>bgp_output_filter</a:t>
+            </a:r>
+            <a:endParaRPr lang="en-US" altLang="zh-CN" dirty="0" smtClean="0"/>
+          </a:p>
+          <a:p>
+            <a:pPr lvl="1"/>
+            <a:r>
+              <a:rPr lang="zh-CN" altLang="en-US" dirty="0" smtClean="0"/>
+              <a:t>保存在</a:t>
+            </a:r>
+            <a:r>
+              <a:rPr lang="en-US" altLang="zh-CN" dirty="0" err="1" smtClean="0"/>
+              <a:t>bgp_filter</a:t>
+            </a:r>
+            <a:r>
+              <a:rPr lang="en-US" altLang="zh-CN" dirty="0" smtClean="0"/>
+              <a:t> &amp;</a:t>
+            </a:r>
+            <a:r>
+              <a:rPr lang="en-US" altLang="zh-CN" dirty="0"/>
+              <a:t>peer-</a:t>
+            </a:r>
+            <a:r>
+              <a:rPr lang="en-US" altLang="zh-CN" dirty="0" smtClean="0"/>
+              <a:t>&gt;filter[</a:t>
+            </a:r>
+            <a:r>
+              <a:rPr lang="en-US" altLang="zh-CN" dirty="0" err="1" smtClean="0"/>
+              <a:t>afi</a:t>
+            </a:r>
+            <a:r>
+              <a:rPr lang="en-US" altLang="zh-CN" dirty="0" smtClean="0"/>
+              <a:t>][</a:t>
+            </a:r>
+            <a:r>
+              <a:rPr lang="en-US" altLang="zh-CN" dirty="0" err="1" smtClean="0"/>
+              <a:t>safi</a:t>
+            </a:r>
+            <a:r>
+              <a:rPr lang="en-US" altLang="zh-CN" dirty="0" smtClean="0"/>
+              <a:t>]</a:t>
+            </a:r>
+            <a:r>
+              <a:rPr lang="zh-CN" altLang="en-US" dirty="0" smtClean="0"/>
+              <a:t>（该路由器的某一个</a:t>
+            </a:r>
+            <a:r>
+              <a:rPr lang="en-US" altLang="zh-CN" dirty="0" smtClean="0"/>
+              <a:t>peer</a:t>
+            </a:r>
+            <a:r>
+              <a:rPr lang="zh-CN" altLang="en-US" dirty="0" smtClean="0"/>
+              <a:t>）</a:t>
+            </a:r>
+            <a:endParaRPr lang="en-US" altLang="zh-CN" dirty="0" smtClean="0"/>
+          </a:p>
+          <a:p>
+            <a:pPr lvl="2"/>
+            <a:r>
+              <a:rPr lang="en-US" altLang="zh-CN" dirty="0" smtClean="0"/>
+              <a:t>Filter-&gt;</a:t>
+            </a:r>
+            <a:r>
+              <a:rPr lang="en-US" altLang="zh-CN" dirty="0" err="1" smtClean="0"/>
+              <a:t>dlist</a:t>
+            </a:r>
+            <a:endParaRPr lang="en-US" altLang="zh-CN" dirty="0" smtClean="0"/>
+          </a:p>
+          <a:p>
+            <a:pPr lvl="3"/>
+            <a:r>
+              <a:rPr lang="en-US" altLang="zh-CN" dirty="0" err="1" smtClean="0"/>
+              <a:t>Peer_distribute_set</a:t>
+            </a:r>
+            <a:r>
+              <a:rPr lang="en-US" altLang="zh-CN" dirty="0"/>
+              <a:t>(DEFUN </a:t>
+            </a:r>
+            <a:r>
+              <a:rPr lang="en-US" altLang="zh-CN" dirty="0" err="1" smtClean="0"/>
+              <a:t>neighbor_distribute_list_cmd</a:t>
+            </a:r>
+            <a:r>
+              <a:rPr lang="zh-CN" altLang="en-US" dirty="0" smtClean="0"/>
+              <a:t>函数调用</a:t>
+            </a:r>
+            <a:r>
+              <a:rPr lang="en-US" altLang="zh-CN" dirty="0" smtClean="0"/>
+              <a:t>)</a:t>
+            </a:r>
+          </a:p>
+          <a:p>
+            <a:pPr lvl="2"/>
+            <a:r>
+              <a:rPr lang="en-US" altLang="zh-CN" dirty="0" smtClean="0"/>
+              <a:t>Filter-&gt;</a:t>
+            </a:r>
+            <a:r>
+              <a:rPr lang="en-US" altLang="zh-CN" dirty="0" err="1" smtClean="0"/>
+              <a:t>plist</a:t>
+            </a:r>
+            <a:endParaRPr lang="en-US" altLang="zh-CN" dirty="0" smtClean="0"/>
+          </a:p>
+          <a:p>
+            <a:pPr lvl="3"/>
+            <a:r>
+              <a:rPr lang="en-US" altLang="zh-CN" dirty="0" err="1" smtClean="0"/>
+              <a:t>Peer_prefix_list_set</a:t>
+            </a:r>
+            <a:endParaRPr lang="en-US" altLang="zh-CN" dirty="0" smtClean="0"/>
+          </a:p>
+          <a:p>
+            <a:pPr lvl="2"/>
+            <a:r>
+              <a:rPr lang="en-US" altLang="zh-CN" dirty="0" smtClean="0"/>
+              <a:t>Filter-&gt;</a:t>
+            </a:r>
+            <a:r>
+              <a:rPr lang="en-US" altLang="zh-CN" dirty="0" err="1" smtClean="0"/>
+              <a:t>aslist</a:t>
+            </a:r>
+            <a:endParaRPr lang="en-US" altLang="zh-CN" dirty="0" smtClean="0"/>
+          </a:p>
+          <a:p>
+            <a:pPr lvl="3"/>
+            <a:r>
+              <a:rPr lang="en-US" altLang="zh-CN" dirty="0" err="1" smtClean="0"/>
+              <a:t>Peer_aslist_set</a:t>
+            </a:r>
+            <a:endParaRPr lang="en-US" altLang="zh-CN" dirty="0" smtClean="0"/>
+          </a:p>
+          <a:p>
+            <a:pPr lvl="2"/>
+            <a:r>
+              <a:rPr lang="en-US" altLang="zh-CN" dirty="0" smtClean="0"/>
+              <a:t>Filter-&gt;map</a:t>
+            </a:r>
+          </a:p>
+          <a:p>
+            <a:pPr lvl="3"/>
+            <a:r>
+              <a:rPr lang="en-US" altLang="zh-CN" dirty="0" err="1" smtClean="0"/>
+              <a:t>Peer_route_map_set</a:t>
+            </a:r>
+            <a:endParaRPr lang="en-US" altLang="zh-CN" dirty="0" smtClean="0"/>
+          </a:p>
+          <a:p>
+            <a:pPr lvl="4"/>
+            <a:r>
+              <a:rPr lang="en-US" altLang="zh-CN" dirty="0" err="1" smtClean="0"/>
+              <a:t>bgp_route_map_init</a:t>
+            </a:r>
+            <a:r>
+              <a:rPr lang="en-US" altLang="zh-CN" dirty="0" smtClean="0"/>
+              <a:t> </a:t>
+            </a:r>
+            <a:r>
+              <a:rPr lang="zh-CN" altLang="en-US" dirty="0" smtClean="0"/>
+              <a:t>用来安装</a:t>
+            </a:r>
+            <a:r>
+              <a:rPr lang="en-US" altLang="zh-CN" dirty="0" smtClean="0"/>
+              <a:t>match</a:t>
+            </a:r>
+            <a:r>
+              <a:rPr lang="zh-CN" altLang="en-US" dirty="0" smtClean="0"/>
+              <a:t>和</a:t>
+            </a:r>
+            <a:r>
+              <a:rPr lang="en-US" altLang="zh-CN" dirty="0" smtClean="0"/>
+              <a:t>set</a:t>
+            </a:r>
+            <a:r>
+              <a:rPr lang="zh-CN" altLang="en-US" dirty="0" smtClean="0"/>
+              <a:t>的命令</a:t>
+            </a:r>
+            <a:endParaRPr lang="zh-CN" altLang="en-US" dirty="0"/>
+          </a:p>
+        </p:txBody>
+      </p:sp>
+    </p:spTree>
+    <p:extLst>
+      <p:ext uri="{BB962C8B-B14F-4D97-AF65-F5344CB8AC3E}">
+        <p14:creationId xmlns:p14="http://schemas.microsoft.com/office/powerpoint/2010/main" val="740051342"/>
+      </p:ext>
+    </p:extLst>
+  </p:cSld>
+  <p:clrMapOvr>
+    <a:masterClrMapping/>
+  </p:clrMapOvr>
+  <p:timing>
+    <p:tnLst>
+      <p:par>
+        <p:cTn id="1" dur="indefinite" restart="never" nodeType="tmRoot"/>
+      </p:par>
+    </p:tnLst>
+  </p:timing>
+</p:sld>
+</file>
+
+<file path=ppt/slides/slide6.xml><?xml version="1.0" encoding="utf-8"?>
+<p:sld xmlns:a="http://schemas.openxmlformats.org/drawingml/2006/main" xmlns:r="http://schemas.openxmlformats.org/officeDocument/2006/relationships" xmlns:p="http://schemas.openxmlformats.org/presentationml/2006/main">
+  <p:cSld>
+    <p:spTree>
+      <p:nvGrpSpPr>
+        <p:cNvPr id="1" name=""/>
+        <p:cNvGrpSpPr/>
+        <p:nvPr/>
+      </p:nvGrpSpPr>
+      <p:grpSpPr>
+        <a:xfrm>
+          <a:off x="0" y="0"/>
+          <a:ext cx="0" cy="0"/>
+          <a:chOff x="0" y="0"/>
+          <a:chExt cx="0" cy="0"/>
+        </a:xfrm>
+      </p:grpSpPr>
+      <p:sp>
+        <p:nvSpPr>
+          <p:cNvPr id="2" name="标题 1"/>
+          <p:cNvSpPr>
+            <a:spLocks noGrp="1"/>
+          </p:cNvSpPr>
+          <p:nvPr>
+            <p:ph type="title"/>
+          </p:nvPr>
+        </p:nvSpPr>
+        <p:spPr/>
+        <p:txBody>
+          <a:bodyPr/>
+          <a:lstStyle/>
+          <a:p>
+            <a:r>
+              <a:rPr lang="en-US" altLang="zh-CN" dirty="0" err="1" smtClean="0"/>
+              <a:t>Adj</a:t>
+            </a:r>
+            <a:r>
+              <a:rPr lang="en-US" altLang="zh-CN" dirty="0" smtClean="0"/>
+              <a:t>-RIB-In</a:t>
+            </a:r>
+            <a:r>
+              <a:rPr lang="zh-CN" altLang="en-US" dirty="0" smtClean="0"/>
+              <a:t>存储</a:t>
+            </a:r>
+            <a:endParaRPr lang="zh-CN" altLang="en-US" dirty="0"/>
+          </a:p>
+        </p:txBody>
+      </p:sp>
+      <p:sp>
+        <p:nvSpPr>
+          <p:cNvPr id="3" name="内容占位符 2"/>
+          <p:cNvSpPr>
+            <a:spLocks noGrp="1"/>
+          </p:cNvSpPr>
+          <p:nvPr>
+            <p:ph idx="1"/>
+          </p:nvPr>
+        </p:nvSpPr>
+        <p:spPr/>
+        <p:txBody>
+          <a:bodyPr/>
+          <a:lstStyle/>
+          <a:p>
+            <a:r>
+              <a:rPr lang="zh-CN" altLang="en-US" dirty="0" smtClean="0"/>
+              <a:t>存储区别，总共传到</a:t>
+            </a:r>
+            <a:r>
+              <a:rPr lang="en-US" altLang="zh-CN" dirty="0" smtClean="0"/>
+              <a:t>AS</a:t>
+            </a:r>
+            <a:r>
+              <a:rPr lang="zh-CN" altLang="en-US" dirty="0" smtClean="0"/>
+              <a:t>的路由有</a:t>
+            </a:r>
+            <a:r>
+              <a:rPr lang="en-US" altLang="zh-CN" dirty="0" smtClean="0"/>
+              <a:t>N</a:t>
+            </a:r>
+            <a:r>
+              <a:rPr lang="zh-CN" altLang="en-US" dirty="0" smtClean="0"/>
+              <a:t>条</a:t>
+            </a:r>
+            <a:endParaRPr lang="en-US" altLang="zh-CN" dirty="0" smtClean="0"/>
+          </a:p>
+          <a:p>
+            <a:pPr lvl="1"/>
+            <a:r>
+              <a:rPr lang="zh-CN" altLang="en-US" dirty="0"/>
+              <a:t>边界</a:t>
+            </a:r>
+            <a:r>
+              <a:rPr lang="zh-CN" altLang="en-US" dirty="0" smtClean="0"/>
+              <a:t>路由器上：因为没有路由收敛过程，如果开启存储，一共</a:t>
+            </a:r>
+            <a:r>
+              <a:rPr lang="en-US" altLang="zh-CN" dirty="0" smtClean="0"/>
+              <a:t>N</a:t>
+            </a:r>
+            <a:r>
+              <a:rPr lang="zh-CN" altLang="en-US" dirty="0" smtClean="0"/>
+              <a:t>条</a:t>
+            </a:r>
+            <a:endParaRPr lang="en-US" altLang="zh-CN" dirty="0" smtClean="0"/>
+          </a:p>
+          <a:p>
+            <a:pPr lvl="1"/>
+            <a:r>
+              <a:rPr lang="zh-CN" altLang="en-US" dirty="0"/>
+              <a:t>集中</a:t>
+            </a:r>
+            <a:r>
+              <a:rPr lang="zh-CN" altLang="en-US" dirty="0" smtClean="0"/>
+              <a:t>平台：开启存储，一共</a:t>
+            </a:r>
+            <a:r>
+              <a:rPr lang="en-US" altLang="zh-CN" dirty="0" smtClean="0"/>
+              <a:t>N</a:t>
+            </a:r>
+            <a:r>
+              <a:rPr lang="zh-CN" altLang="en-US" dirty="0" smtClean="0"/>
+              <a:t>条</a:t>
+            </a:r>
+            <a:endParaRPr lang="en-US" altLang="zh-CN" dirty="0" smtClean="0"/>
+          </a:p>
+          <a:p>
+            <a:r>
+              <a:rPr lang="zh-CN" altLang="en-US" dirty="0" smtClean="0"/>
+              <a:t>存储在边界路由器上优势</a:t>
+            </a:r>
+            <a:endParaRPr lang="en-US" altLang="zh-CN" dirty="0" smtClean="0"/>
+          </a:p>
+          <a:p>
+            <a:pPr lvl="1"/>
+            <a:r>
+              <a:rPr lang="en-US" altLang="zh-CN" dirty="0" err="1" smtClean="0"/>
+              <a:t>eBGP</a:t>
+            </a:r>
+            <a:r>
+              <a:rPr lang="zh-CN" altLang="en-US" dirty="0" smtClean="0"/>
+              <a:t>路由相对比较独立：过滤宣告存储；收到存储过滤</a:t>
+            </a:r>
+            <a:endParaRPr lang="en-US" altLang="zh-CN" dirty="0" smtClean="0"/>
+          </a:p>
+        </p:txBody>
+      </p:sp>
+    </p:spTree>
+    <p:extLst>
+      <p:ext uri="{BB962C8B-B14F-4D97-AF65-F5344CB8AC3E}">
+        <p14:creationId xmlns:p14="http://schemas.microsoft.com/office/powerpoint/2010/main" val="1069541029"/>
+      </p:ext>
+    </p:extLst>
+  </p:cSld>
+  <p:clrMapOvr>
+    <a:masterClrMapping/>
+  </p:clrMapOvr>
+  <p:timing>
+    <p:tnLst>
+      <p:par>
+        <p:cTn id="1" dur="indefinite" restart="never" nodeType="tmRoot"/>
+      </p:par>
+    </p:tnLst>
+  </p:timing>
+</p:sld>
+</file>
+
+<file path=ppt/slides/slide7.xml><?xml version="1.0" encoding="utf-8"?>
+<p:sld xmlns:a="http://schemas.openxmlformats.org/drawingml/2006/main" xmlns:r="http://schemas.openxmlformats.org/officeDocument/2006/relationships" xmlns:p="http://schemas.openxmlformats.org/presentationml/2006/main">
+  <p:cSld>
+    <p:spTree>
+      <p:nvGrpSpPr>
+        <p:cNvPr id="1" name=""/>
+        <p:cNvGrpSpPr/>
+        <p:nvPr/>
+      </p:nvGrpSpPr>
+      <p:grpSpPr>
+        <a:xfrm>
+          <a:off x="0" y="0"/>
+          <a:ext cx="0" cy="0"/>
+          <a:chOff x="0" y="0"/>
+          <a:chExt cx="0" cy="0"/>
+        </a:xfrm>
+      </p:grpSpPr>
+      <p:sp>
+        <p:nvSpPr>
+          <p:cNvPr id="2" name="标题 1"/>
+          <p:cNvSpPr>
+            <a:spLocks noGrp="1"/>
+          </p:cNvSpPr>
+          <p:nvPr>
+            <p:ph type="title"/>
+          </p:nvPr>
+        </p:nvSpPr>
+        <p:spPr/>
+        <p:txBody>
+          <a:bodyPr/>
+          <a:lstStyle/>
+          <a:p>
+            <a:r>
+              <a:rPr lang="zh-CN" altLang="en-US" dirty="0" smtClean="0"/>
+              <a:t>路由</a:t>
+            </a:r>
+            <a:r>
+              <a:rPr lang="zh-CN" altLang="en-US" dirty="0" smtClean="0"/>
+              <a:t>存储</a:t>
+            </a:r>
+            <a:endParaRPr lang="zh-CN" altLang="en-US" dirty="0"/>
+          </a:p>
+        </p:txBody>
+      </p:sp>
+      <p:sp>
+        <p:nvSpPr>
+          <p:cNvPr id="3" name="内容占位符 2"/>
+          <p:cNvSpPr>
+            <a:spLocks noGrp="1"/>
+          </p:cNvSpPr>
+          <p:nvPr>
+            <p:ph idx="1"/>
+          </p:nvPr>
+        </p:nvSpPr>
+        <p:spPr/>
+        <p:txBody>
+          <a:bodyPr/>
+          <a:lstStyle/>
+          <a:p>
+            <a:r>
+              <a:rPr lang="zh-CN" altLang="en-US" dirty="0"/>
+              <a:t>集中</a:t>
+            </a:r>
+            <a:r>
+              <a:rPr lang="zh-CN" altLang="en-US" dirty="0" smtClean="0"/>
+              <a:t>平台</a:t>
+            </a:r>
+            <a:endParaRPr lang="en-US" altLang="zh-CN" dirty="0" smtClean="0"/>
+          </a:p>
+          <a:p>
+            <a:pPr lvl="1"/>
+            <a:r>
+              <a:rPr lang="zh-CN" altLang="en-US" dirty="0" smtClean="0"/>
+              <a:t>针对</a:t>
+            </a:r>
+            <a:r>
+              <a:rPr lang="zh-CN" altLang="en-US" dirty="0" smtClean="0"/>
+              <a:t>每台边界路由器分别</a:t>
+            </a:r>
+            <a:r>
+              <a:rPr lang="zh-CN" altLang="en-US" dirty="0" smtClean="0"/>
+              <a:t>存储</a:t>
+            </a:r>
+            <a:r>
+              <a:rPr lang="zh-CN" altLang="en-US" dirty="0"/>
+              <a:t>：</a:t>
+            </a:r>
+            <a:r>
+              <a:rPr lang="en-US" altLang="zh-CN" dirty="0" smtClean="0"/>
+              <a:t>Private-</a:t>
+            </a:r>
+            <a:r>
+              <a:rPr lang="en-US" altLang="zh-CN" dirty="0" err="1" smtClean="0"/>
+              <a:t>Loc</a:t>
+            </a:r>
+            <a:r>
+              <a:rPr lang="en-US" altLang="zh-CN" dirty="0" smtClean="0"/>
+              <a:t>-RIB</a:t>
+            </a:r>
+            <a:endParaRPr lang="en-US" altLang="zh-CN" dirty="0" smtClean="0"/>
+          </a:p>
+          <a:p>
+            <a:pPr lvl="1"/>
+            <a:r>
+              <a:rPr lang="en-US" altLang="zh-CN" dirty="0" smtClean="0"/>
+              <a:t>Public-</a:t>
+            </a:r>
+            <a:r>
+              <a:rPr lang="en-US" altLang="zh-CN" dirty="0" err="1" smtClean="0"/>
+              <a:t>Loc</a:t>
+            </a:r>
+            <a:r>
+              <a:rPr lang="en-US" altLang="zh-CN" dirty="0" smtClean="0"/>
+              <a:t>-RIB</a:t>
+            </a:r>
+          </a:p>
+          <a:p>
+            <a:r>
+              <a:rPr lang="zh-CN" altLang="en-US" dirty="0" smtClean="0"/>
+              <a:t>边界路由器</a:t>
+            </a:r>
+            <a:endParaRPr lang="en-US" altLang="zh-CN" dirty="0" smtClean="0"/>
+          </a:p>
+          <a:p>
+            <a:pPr lvl="1"/>
+            <a:r>
+              <a:rPr lang="zh-CN" altLang="en-US" dirty="0" smtClean="0"/>
+              <a:t>存储</a:t>
+            </a:r>
+            <a:r>
+              <a:rPr lang="en-US" altLang="zh-CN" dirty="0" err="1" smtClean="0"/>
+              <a:t>Adj</a:t>
+            </a:r>
+            <a:r>
+              <a:rPr lang="en-US" altLang="zh-CN" dirty="0" smtClean="0"/>
+              <a:t>-RIBs-In</a:t>
+            </a:r>
+            <a:r>
+              <a:rPr lang="zh-CN" altLang="en-US" dirty="0" smtClean="0"/>
+              <a:t>（</a:t>
+            </a:r>
+            <a:r>
+              <a:rPr lang="zh-CN" altLang="en-US" dirty="0" smtClean="0"/>
+              <a:t>选择存储，可存可不存</a:t>
+            </a:r>
+            <a:r>
+              <a:rPr lang="zh-CN" altLang="en-US" dirty="0" smtClean="0"/>
+              <a:t>）</a:t>
+            </a:r>
+            <a:endParaRPr lang="en-US" altLang="zh-CN" dirty="0" smtClean="0"/>
+          </a:p>
+          <a:p>
+            <a:endParaRPr lang="zh-CN" altLang="en-US" dirty="0"/>
+          </a:p>
+        </p:txBody>
+      </p:sp>
+    </p:spTree>
+    <p:extLst>
+      <p:ext uri="{BB962C8B-B14F-4D97-AF65-F5344CB8AC3E}">
+        <p14:creationId xmlns:p14="http://schemas.microsoft.com/office/powerpoint/2010/main" val="1828250445"/>
+      </p:ext>
+    </p:extLst>
+  </p:cSld>
+  <p:clrMapOvr>
+    <a:masterClrMapping/>
+  </p:clrMapOvr>
+  <p:timing>
+    <p:tnLst>
+      <p:par>
+        <p:cTn id="1" dur="indefinite" restart="never" nodeType="tmRoot"/>
+      </p:par>
+    </p:tnLst>
+  </p:timing>
+</p:sld>
+</file>
+
+<file path=ppt/slides/slide8.xml><?xml version="1.0" encoding="utf-8"?>
+<p:sld xmlns:a="http://schemas.openxmlformats.org/drawingml/2006/main" xmlns:r="http://schemas.openxmlformats.org/officeDocument/2006/relationships" xmlns:p="http://schemas.openxmlformats.org/presentationml/2006/main">
+  <p:cSld>
+    <p:spTree>
+      <p:nvGrpSpPr>
+        <p:cNvPr id="1" name=""/>
+        <p:cNvGrpSpPr/>
+        <p:nvPr/>
+      </p:nvGrpSpPr>
+      <p:grpSpPr>
+        <a:xfrm>
+          <a:off x="0" y="0"/>
+          <a:ext cx="0" cy="0"/>
+          <a:chOff x="0" y="0"/>
+          <a:chExt cx="0" cy="0"/>
+        </a:xfrm>
+      </p:grpSpPr>
+      <p:sp>
+        <p:nvSpPr>
+          <p:cNvPr id="2" name="标题 1"/>
+          <p:cNvSpPr>
+            <a:spLocks noGrp="1"/>
+          </p:cNvSpPr>
+          <p:nvPr>
+            <p:ph type="title"/>
+          </p:nvPr>
+        </p:nvSpPr>
+        <p:spPr/>
+        <p:txBody>
+          <a:bodyPr/>
+          <a:lstStyle/>
+          <a:p>
+            <a:r>
+              <a:rPr lang="zh-CN" altLang="en-US" dirty="0" smtClean="0"/>
+              <a:t>修改代码步骤</a:t>
+            </a:r>
+            <a:endParaRPr lang="zh-CN" altLang="en-US" dirty="0"/>
+          </a:p>
+        </p:txBody>
+      </p:sp>
+      <p:sp>
+        <p:nvSpPr>
+          <p:cNvPr id="3" name="内容占位符 2"/>
+          <p:cNvSpPr>
+            <a:spLocks noGrp="1"/>
+          </p:cNvSpPr>
+          <p:nvPr>
+            <p:ph idx="1"/>
+          </p:nvPr>
+        </p:nvSpPr>
+        <p:spPr/>
+        <p:txBody>
+          <a:bodyPr/>
+          <a:lstStyle/>
+          <a:p>
+            <a:r>
+              <a:rPr lang="en-US" altLang="zh-CN" dirty="0" smtClean="0"/>
+              <a:t>R2</a:t>
+            </a:r>
+            <a:r>
+              <a:rPr lang="zh-CN" altLang="en-US" dirty="0" smtClean="0"/>
+              <a:t>断开与</a:t>
+            </a:r>
+            <a:r>
+              <a:rPr lang="en-US" altLang="zh-CN" dirty="0" smtClean="0"/>
+              <a:t>AS</a:t>
+            </a:r>
+            <a:r>
+              <a:rPr lang="zh-CN" altLang="en-US" dirty="0" smtClean="0"/>
+              <a:t>的两条连接</a:t>
+            </a:r>
+            <a:endParaRPr lang="en-US" altLang="zh-CN" dirty="0" smtClean="0"/>
+          </a:p>
+          <a:p>
+            <a:pPr lvl="1"/>
+            <a:r>
+              <a:rPr lang="en-US" altLang="zh-CN" dirty="0" smtClean="0"/>
+              <a:t>C1</a:t>
+            </a:r>
+            <a:r>
+              <a:rPr lang="zh-CN" altLang="en-US" dirty="0" smtClean="0"/>
+              <a:t>将</a:t>
+            </a:r>
+            <a:r>
+              <a:rPr lang="en-US" altLang="zh-CN" dirty="0" smtClean="0"/>
+              <a:t>R3</a:t>
+            </a:r>
+            <a:r>
+              <a:rPr lang="zh-CN" altLang="en-US" dirty="0" smtClean="0"/>
+              <a:t>传来的两条路由传给集中平台</a:t>
+            </a:r>
+            <a:endParaRPr lang="en-US" altLang="zh-CN" dirty="0" smtClean="0"/>
+          </a:p>
+          <a:p>
+            <a:pPr lvl="1"/>
+            <a:r>
+              <a:rPr lang="zh-CN" altLang="en-US" dirty="0"/>
+              <a:t>集中</a:t>
+            </a:r>
+            <a:r>
+              <a:rPr lang="zh-CN" altLang="en-US" dirty="0" smtClean="0"/>
+              <a:t>平台进行</a:t>
+            </a:r>
+            <a:r>
+              <a:rPr lang="en-US" altLang="zh-CN" dirty="0" err="1" smtClean="0"/>
+              <a:t>Loc</a:t>
+            </a:r>
+            <a:r>
+              <a:rPr lang="zh-CN" altLang="en-US" dirty="0" smtClean="0"/>
+              <a:t>存储处理</a:t>
+            </a:r>
+            <a:endParaRPr lang="zh-CN" altLang="en-US" dirty="0"/>
+          </a:p>
+        </p:txBody>
+      </p:sp>
+      <p:pic>
+        <p:nvPicPr>
+          <p:cNvPr id="5" name="图片 4"/>
+          <p:cNvPicPr>
+            <a:picLocks noChangeAspect="1"/>
+          </p:cNvPicPr>
+          <p:nvPr/>
+        </p:nvPicPr>
+        <p:blipFill>
+          <a:blip r:embed="rId2">
+            <a:extLst>
+              <a:ext uri="{28A0092B-C50C-407E-A947-70E740481C1C}">
+                <a14:useLocalDpi xmlns:a14="http://schemas.microsoft.com/office/drawing/2010/main" val="0"/>
+              </a:ext>
+            </a:extLst>
+          </a:blip>
+          <a:stretch>
+            <a:fillRect/>
+          </a:stretch>
+        </p:blipFill>
+        <p:spPr>
+          <a:xfrm>
+            <a:off x="7257909" y="557048"/>
+            <a:ext cx="4185015" cy="3733252"/>
+          </a:xfrm>
+          <a:prstGeom prst="rect">
+            <a:avLst/>
+          </a:prstGeom>
+        </p:spPr>
+      </p:pic>
+    </p:spTree>
+    <p:extLst>
+      <p:ext uri="{BB962C8B-B14F-4D97-AF65-F5344CB8AC3E}">
+        <p14:creationId xmlns:p14="http://schemas.microsoft.com/office/powerpoint/2010/main" val="3100314603"/>
+      </p:ext>
+    </p:extLst>
+  </p:cSld>
+  <p:clrMapOvr>
+    <a:masterClrMapping/>
+  </p:clrMapOvr>
+  <p:timing>
+    <p:tnLst>
+      <p:par>
+        <p:cTn id="1" dur="indefinite" restart="never" nodeType="tmRoot"/>
+      </p:par>
+    </p:tnLst>
+  </p:timing>
 </p:sld>
 </file>
 

--- a/doc/毕设阶段讨论14.pptx
+++ b/doc/毕设阶段讨论14.pptx
@@ -13,6 +13,7 @@
     <p:sldId id="265" r:id="rId7"/>
     <p:sldId id="257" r:id="rId8"/>
     <p:sldId id="266" r:id="rId9"/>
+    <p:sldId id="268" r:id="rId10"/>
   </p:sldIdLst>
   <p:sldSz cx="12192000" cy="6858000"/>
   <p:notesSz cx="6858000" cy="9144000"/>
@@ -3026,8 +3027,8 @@
           <a:lstStyle/>
           <a:p>
             <a:r>
-              <a:rPr lang="en-US" altLang="zh-CN" dirty="0" smtClean="0"/>
-              <a:t>20180426</a:t>
+              <a:rPr lang="en-US" altLang="zh-CN" smtClean="0"/>
+              <a:t>20180506 talk</a:t>
             </a:r>
             <a:endParaRPr lang="zh-CN" altLang="en-US" dirty="0"/>
           </a:p>
@@ -3594,11 +3595,7 @@
             </a:r>
             <a:r>
               <a:rPr lang="zh-CN" altLang="en-US" dirty="0" smtClean="0"/>
-              <a:t>为例</a:t>
-            </a:r>
-            <a:r>
-              <a:rPr lang="zh-CN" altLang="en-US" dirty="0" smtClean="0"/>
-              <a:t>）</a:t>
+              <a:t>为例）</a:t>
             </a:r>
             <a:endParaRPr lang="en-US" altLang="zh-CN" dirty="0" smtClean="0"/>
           </a:p>
@@ -3758,7 +3755,6 @@
               <a:rPr lang="en-US" altLang="zh-CN" sz="1400" dirty="0" smtClean="0"/>
               <a:t>-RIB-In)</a:t>
             </a:r>
-            <a:endParaRPr lang="en-US" altLang="zh-CN" sz="1400" dirty="0" smtClean="0"/>
           </a:p>
         </p:txBody>
       </p:sp>
@@ -4085,7 +4081,7 @@
             </a:r>
             <a:r>
               <a:rPr lang="en-US" altLang="zh-CN" dirty="0" smtClean="0"/>
-              <a:t>-RIB-In</a:t>
+              <a:t>-RIBs-In</a:t>
             </a:r>
             <a:r>
               <a:rPr lang="zh-CN" altLang="en-US" dirty="0" smtClean="0"/>
@@ -4247,11 +4243,7 @@
           <a:p>
             <a:r>
               <a:rPr lang="zh-CN" altLang="en-US" dirty="0" smtClean="0"/>
-              <a:t>路由</a:t>
-            </a:r>
-            <a:r>
-              <a:rPr lang="zh-CN" altLang="en-US" dirty="0" smtClean="0"/>
-              <a:t>存储</a:t>
+              <a:t>路由存储</a:t>
             </a:r>
             <a:endParaRPr lang="zh-CN" altLang="en-US" dirty="0"/>
           </a:p>
@@ -4286,15 +4278,7 @@
             <a:pPr lvl="1"/>
             <a:r>
               <a:rPr lang="zh-CN" altLang="en-US" dirty="0" smtClean="0"/>
-              <a:t>针对</a:t>
-            </a:r>
-            <a:r>
-              <a:rPr lang="zh-CN" altLang="en-US" dirty="0" smtClean="0"/>
-              <a:t>每台边界路由器分别</a:t>
-            </a:r>
-            <a:r>
-              <a:rPr lang="zh-CN" altLang="en-US" dirty="0" smtClean="0"/>
-              <a:t>存储</a:t>
+              <a:t>针对每台边界路由器分别存储</a:t>
             </a:r>
             <a:r>
               <a:rPr lang="zh-CN" altLang="en-US" dirty="0"/>
@@ -4312,7 +4296,6 @@
               <a:rPr lang="en-US" altLang="zh-CN" dirty="0" smtClean="0"/>
               <a:t>-RIB</a:t>
             </a:r>
-            <a:endParaRPr lang="en-US" altLang="zh-CN" dirty="0" smtClean="0"/>
           </a:p>
           <a:p>
             <a:pPr lvl="1"/>
@@ -4352,15 +4335,7 @@
             </a:r>
             <a:r>
               <a:rPr lang="zh-CN" altLang="en-US" dirty="0" smtClean="0"/>
-              <a:t>（</a:t>
-            </a:r>
-            <a:r>
-              <a:rPr lang="zh-CN" altLang="en-US" dirty="0" smtClean="0"/>
-              <a:t>选择存储，可存可不存</a:t>
-            </a:r>
-            <a:r>
-              <a:rPr lang="zh-CN" altLang="en-US" dirty="0" smtClean="0"/>
-              <a:t>）</a:t>
+              <a:t>（选择存储，可存可不存）</a:t>
             </a:r>
             <a:endParaRPr lang="en-US" altLang="zh-CN" dirty="0" smtClean="0"/>
           </a:p>
@@ -4445,75 +4420,346 @@
           <a:lstStyle/>
           <a:p>
             <a:r>
+              <a:rPr lang="zh-CN" altLang="en-US" dirty="0" smtClean="0"/>
+              <a:t>第一步：右上图</a:t>
+            </a:r>
+            <a:endParaRPr lang="en-US" altLang="zh-CN" dirty="0" smtClean="0"/>
+          </a:p>
+          <a:p>
+            <a:pPr lvl="1"/>
+            <a:r>
+              <a:rPr lang="en-US" altLang="zh-CN" dirty="0" smtClean="0"/>
+              <a:t>C1</a:t>
+            </a:r>
+            <a:r>
+              <a:rPr lang="zh-CN" altLang="en-US" dirty="0" smtClean="0"/>
+              <a:t>将</a:t>
+            </a:r>
+            <a:r>
+              <a:rPr lang="en-US" altLang="zh-CN" dirty="0" smtClean="0"/>
+              <a:t>R3</a:t>
+            </a:r>
+            <a:r>
+              <a:rPr lang="zh-CN" altLang="en-US" dirty="0" smtClean="0"/>
+              <a:t>传来的两条路由传给集中平台</a:t>
+            </a:r>
+            <a:endParaRPr lang="en-US" altLang="zh-CN" dirty="0" smtClean="0"/>
+          </a:p>
+          <a:p>
+            <a:pPr lvl="1"/>
+            <a:r>
+              <a:rPr lang="zh-CN" altLang="en-US" dirty="0"/>
+              <a:t>集中</a:t>
+            </a:r>
+            <a:r>
+              <a:rPr lang="zh-CN" altLang="en-US" dirty="0" smtClean="0"/>
+              <a:t>平台进行</a:t>
+            </a:r>
+            <a:r>
+              <a:rPr lang="en-US" altLang="zh-CN" dirty="0" err="1" smtClean="0"/>
+              <a:t>LocRIB</a:t>
+            </a:r>
+            <a:r>
+              <a:rPr lang="zh-CN" altLang="en-US" dirty="0" smtClean="0"/>
+              <a:t>存储处理</a:t>
+            </a:r>
+            <a:endParaRPr lang="en-US" altLang="zh-CN" dirty="0" smtClean="0"/>
+          </a:p>
+          <a:p>
+            <a:pPr lvl="1"/>
+            <a:r>
+              <a:rPr lang="zh-CN" altLang="en-US" dirty="0"/>
+              <a:t>先</a:t>
+            </a:r>
+            <a:r>
+              <a:rPr lang="zh-CN" altLang="en-US" dirty="0" smtClean="0"/>
+              <a:t>使用以前的计算最优路由的方法计算最优路由</a:t>
+            </a:r>
+            <a:endParaRPr lang="en-US" altLang="zh-CN" dirty="0" smtClean="0"/>
+          </a:p>
+          <a:p>
+            <a:r>
+              <a:rPr lang="zh-CN" altLang="en-US" dirty="0" smtClean="0"/>
+              <a:t>第二步：右下图</a:t>
+            </a:r>
+            <a:endParaRPr lang="en-US" altLang="zh-CN" dirty="0" smtClean="0"/>
+          </a:p>
+          <a:p>
+            <a:pPr lvl="1"/>
+            <a:r>
+              <a:rPr lang="zh-CN" altLang="en-US" dirty="0" smtClean="0"/>
+              <a:t>修改最优路由的计算方法</a:t>
+            </a:r>
+            <a:endParaRPr lang="en-US" altLang="zh-CN" dirty="0" smtClean="0"/>
+          </a:p>
+          <a:p>
+            <a:r>
+              <a:rPr lang="zh-CN" altLang="en-US" dirty="0" smtClean="0"/>
+              <a:t>第三步：恢复</a:t>
+            </a:r>
+            <a:r>
               <a:rPr lang="en-US" altLang="zh-CN" dirty="0" smtClean="0"/>
               <a:t>R2</a:t>
             </a:r>
             <a:r>
               <a:rPr lang="zh-CN" altLang="en-US" dirty="0" smtClean="0"/>
-              <a:t>断开与</a:t>
+              <a:t>的连接</a:t>
+            </a:r>
+            <a:endParaRPr lang="en-US" altLang="zh-CN" dirty="0" smtClean="0"/>
+          </a:p>
+          <a:p>
+            <a:pPr lvl="1"/>
+            <a:r>
+              <a:rPr lang="zh-CN" altLang="en-US" dirty="0" smtClean="0"/>
+              <a:t>检测拓扑结构下，是否能够正常进行</a:t>
             </a:r>
             <a:r>
               <a:rPr lang="en-US" altLang="zh-CN" dirty="0" smtClean="0"/>
-              <a:t>AS</a:t>
-            </a:r>
-            <a:r>
-              <a:rPr lang="zh-CN" altLang="en-US" dirty="0" smtClean="0"/>
-              <a:t>的两条连接</a:t>
-            </a:r>
-            <a:endParaRPr lang="en-US" altLang="zh-CN" dirty="0" smtClean="0"/>
-          </a:p>
-          <a:p>
-            <a:pPr lvl="1"/>
-            <a:r>
-              <a:rPr lang="en-US" altLang="zh-CN" dirty="0" smtClean="0"/>
-              <a:t>C1</a:t>
-            </a:r>
-            <a:r>
-              <a:rPr lang="zh-CN" altLang="en-US" dirty="0" smtClean="0"/>
-              <a:t>将</a:t>
-            </a:r>
-            <a:r>
-              <a:rPr lang="en-US" altLang="zh-CN" dirty="0" smtClean="0"/>
-              <a:t>R3</a:t>
-            </a:r>
-            <a:r>
-              <a:rPr lang="zh-CN" altLang="en-US" dirty="0" smtClean="0"/>
-              <a:t>传来的两条路由传给集中平台</a:t>
-            </a:r>
-            <a:endParaRPr lang="en-US" altLang="zh-CN" dirty="0" smtClean="0"/>
-          </a:p>
-          <a:p>
-            <a:pPr lvl="1"/>
-            <a:r>
-              <a:rPr lang="zh-CN" altLang="en-US" dirty="0"/>
-              <a:t>集中</a:t>
-            </a:r>
-            <a:r>
-              <a:rPr lang="zh-CN" altLang="en-US" dirty="0" smtClean="0"/>
-              <a:t>平台进行</a:t>
-            </a:r>
-            <a:r>
-              <a:rPr lang="en-US" altLang="zh-CN" dirty="0" err="1" smtClean="0"/>
-              <a:t>Loc</a:t>
-            </a:r>
-            <a:r>
-              <a:rPr lang="zh-CN" altLang="en-US" dirty="0" smtClean="0"/>
-              <a:t>存储处理</a:t>
-            </a:r>
-            <a:endParaRPr lang="zh-CN" altLang="en-US" dirty="0"/>
+              <a:t>BGP</a:t>
+            </a:r>
+            <a:r>
+              <a:rPr lang="zh-CN" altLang="en-US" dirty="0" smtClean="0"/>
+              <a:t>协议</a:t>
+            </a:r>
+            <a:endParaRPr lang="en-US" altLang="zh-CN" dirty="0"/>
           </a:p>
         </p:txBody>
       </p:sp>
       <p:pic>
         <p:nvPicPr>
-          <p:cNvPr id="5" name="图片 4"/>
+          <p:cNvPr id="4" name="图片 3"/>
           <p:cNvPicPr>
             <a:picLocks noChangeAspect="1"/>
           </p:cNvPicPr>
           <p:nvPr/>
         </p:nvPicPr>
         <p:blipFill>
-          <a:blip r:embed="rId2">
+          <a:blip r:embed="rId2"/>
+          <a:stretch>
+            <a:fillRect/>
+          </a:stretch>
+        </p:blipFill>
+        <p:spPr>
+          <a:xfrm>
+            <a:off x="8194440" y="74541"/>
+            <a:ext cx="3159360" cy="2844598"/>
+          </a:xfrm>
+          <a:prstGeom prst="rect">
+            <a:avLst/>
+          </a:prstGeom>
+        </p:spPr>
+      </p:pic>
+      <p:pic>
+        <p:nvPicPr>
+          <p:cNvPr id="6" name="图片 5"/>
+          <p:cNvPicPr>
+            <a:picLocks noChangeAspect="1"/>
+          </p:cNvPicPr>
+          <p:nvPr/>
+        </p:nvPicPr>
+        <p:blipFill>
+          <a:blip r:embed="rId3"/>
+          <a:stretch>
+            <a:fillRect/>
+          </a:stretch>
+        </p:blipFill>
+        <p:spPr>
+          <a:xfrm>
+            <a:off x="8194440" y="3188559"/>
+            <a:ext cx="3468947" cy="3123341"/>
+          </a:xfrm>
+          <a:prstGeom prst="rect">
+            <a:avLst/>
+          </a:prstGeom>
+        </p:spPr>
+      </p:pic>
+    </p:spTree>
+    <p:extLst>
+      <p:ext uri="{BB962C8B-B14F-4D97-AF65-F5344CB8AC3E}">
+        <p14:creationId xmlns:p14="http://schemas.microsoft.com/office/powerpoint/2010/main" val="3100314603"/>
+      </p:ext>
+    </p:extLst>
+  </p:cSld>
+  <p:clrMapOvr>
+    <a:masterClrMapping/>
+  </p:clrMapOvr>
+  <p:timing>
+    <p:tnLst>
+      <p:par>
+        <p:cTn id="1" dur="indefinite" restart="never" nodeType="tmRoot"/>
+      </p:par>
+    </p:tnLst>
+  </p:timing>
+</p:sld>
+</file>
+
+<file path=ppt/slides/slide9.xml><?xml version="1.0" encoding="utf-8"?>
+<p:sld xmlns:a="http://schemas.openxmlformats.org/drawingml/2006/main" xmlns:r="http://schemas.openxmlformats.org/officeDocument/2006/relationships" xmlns:p="http://schemas.openxmlformats.org/presentationml/2006/main">
+  <p:cSld>
+    <p:spTree>
+      <p:nvGrpSpPr>
+        <p:cNvPr id="1" name=""/>
+        <p:cNvGrpSpPr/>
+        <p:nvPr/>
+      </p:nvGrpSpPr>
+      <p:grpSpPr>
+        <a:xfrm>
+          <a:off x="0" y="0"/>
+          <a:ext cx="0" cy="0"/>
+          <a:chOff x="0" y="0"/>
+          <a:chExt cx="0" cy="0"/>
+        </a:xfrm>
+      </p:grpSpPr>
+      <p:sp>
+        <p:nvSpPr>
+          <p:cNvPr id="2" name="标题 1"/>
+          <p:cNvSpPr>
+            <a:spLocks noGrp="1"/>
+          </p:cNvSpPr>
+          <p:nvPr>
+            <p:ph type="title"/>
+          </p:nvPr>
+        </p:nvSpPr>
+        <p:spPr/>
+        <p:txBody>
+          <a:bodyPr/>
+          <a:lstStyle/>
+          <a:p>
+            <a:r>
+              <a:rPr lang="zh-CN" altLang="en-US" dirty="0" smtClean="0"/>
+              <a:t>修改代码步骤</a:t>
+            </a:r>
+            <a:endParaRPr lang="zh-CN" altLang="en-US" dirty="0"/>
+          </a:p>
+        </p:txBody>
+      </p:sp>
+      <p:sp>
+        <p:nvSpPr>
+          <p:cNvPr id="3" name="内容占位符 2"/>
+          <p:cNvSpPr>
+            <a:spLocks noGrp="1"/>
+          </p:cNvSpPr>
+          <p:nvPr>
+            <p:ph idx="1"/>
+          </p:nvPr>
+        </p:nvSpPr>
+        <p:spPr/>
+        <p:txBody>
+          <a:bodyPr/>
+          <a:lstStyle/>
+          <a:p>
+            <a:r>
+              <a:rPr lang="zh-CN" altLang="en-US" dirty="0" smtClean="0"/>
+              <a:t>第一步：</a:t>
+            </a:r>
+            <a:endParaRPr lang="en-US" altLang="zh-CN" dirty="0" smtClean="0"/>
+          </a:p>
+          <a:p>
+            <a:pPr lvl="1"/>
+            <a:r>
+              <a:rPr lang="en-US" altLang="zh-CN" dirty="0" smtClean="0"/>
+              <a:t>C1</a:t>
+            </a:r>
+            <a:r>
+              <a:rPr lang="zh-CN" altLang="en-US" dirty="0" smtClean="0"/>
+              <a:t>将</a:t>
+            </a:r>
+            <a:r>
+              <a:rPr lang="en-US" altLang="zh-CN" dirty="0" smtClean="0"/>
+              <a:t>R3</a:t>
+            </a:r>
+            <a:r>
+              <a:rPr lang="zh-CN" altLang="en-US" dirty="0" smtClean="0"/>
+              <a:t>传来的两条路由传给集中平台</a:t>
+            </a:r>
+            <a:endParaRPr lang="en-US" altLang="zh-CN" dirty="0" smtClean="0"/>
+          </a:p>
+          <a:p>
+            <a:pPr lvl="1"/>
+            <a:r>
+              <a:rPr lang="zh-CN" altLang="en-US" dirty="0"/>
+              <a:t>集中</a:t>
+            </a:r>
+            <a:r>
+              <a:rPr lang="zh-CN" altLang="en-US" dirty="0" smtClean="0"/>
+              <a:t>平台进行</a:t>
+            </a:r>
+            <a:r>
+              <a:rPr lang="en-US" altLang="zh-CN" dirty="0" err="1" smtClean="0"/>
+              <a:t>Loc</a:t>
+            </a:r>
+            <a:r>
+              <a:rPr lang="zh-CN" altLang="en-US" dirty="0" smtClean="0"/>
+              <a:t>存储</a:t>
+            </a:r>
+            <a:r>
+              <a:rPr lang="zh-CN" altLang="en-US" dirty="0" smtClean="0"/>
+              <a:t>处理</a:t>
+            </a:r>
+            <a:endParaRPr lang="en-US" altLang="zh-CN" dirty="0" smtClean="0"/>
+          </a:p>
+          <a:p>
+            <a:pPr lvl="1"/>
+            <a:r>
+              <a:rPr lang="zh-CN" altLang="en-US" dirty="0"/>
+              <a:t>先</a:t>
+            </a:r>
+            <a:r>
+              <a:rPr lang="zh-CN" altLang="en-US" dirty="0" smtClean="0"/>
+              <a:t>使用以前的计算最优路由的方法计算最优路由</a:t>
+            </a:r>
+            <a:endParaRPr lang="en-US" altLang="zh-CN" dirty="0" smtClean="0"/>
+          </a:p>
+          <a:p>
+            <a:r>
+              <a:rPr lang="zh-CN" altLang="en-US" dirty="0" smtClean="0"/>
+              <a:t>第二步：</a:t>
+            </a:r>
+            <a:endParaRPr lang="en-US" altLang="zh-CN" dirty="0" smtClean="0"/>
+          </a:p>
+          <a:p>
+            <a:pPr lvl="1"/>
+            <a:r>
+              <a:rPr lang="zh-CN" altLang="en-US" dirty="0" smtClean="0"/>
+              <a:t>修改最优路由的计算方法</a:t>
+            </a:r>
+            <a:endParaRPr lang="en-US" altLang="zh-CN" dirty="0" smtClean="0"/>
+          </a:p>
+          <a:p>
+            <a:r>
+              <a:rPr lang="zh-CN" altLang="en-US" dirty="0" smtClean="0"/>
+              <a:t>第三步：右图</a:t>
+            </a:r>
+            <a:endParaRPr lang="en-US" altLang="zh-CN" dirty="0" smtClean="0"/>
+          </a:p>
+          <a:p>
+            <a:pPr lvl="1"/>
+            <a:r>
+              <a:rPr lang="zh-CN" altLang="en-US" dirty="0" smtClean="0"/>
+              <a:t>检测拓扑结构下，是否能够正常进行</a:t>
+            </a:r>
+            <a:r>
+              <a:rPr lang="en-US" altLang="zh-CN" dirty="0" smtClean="0"/>
+              <a:t>BGP</a:t>
+            </a:r>
+            <a:r>
+              <a:rPr lang="zh-CN" altLang="en-US" dirty="0" smtClean="0"/>
+              <a:t>协议</a:t>
+            </a:r>
+            <a:endParaRPr lang="en-US" altLang="zh-CN" dirty="0"/>
+          </a:p>
+        </p:txBody>
+      </p:sp>
+      <p:pic>
+        <p:nvPicPr>
+          <p:cNvPr id="7" name="内容占位符 3"/>
+          <p:cNvPicPr>
+            <a:picLocks noChangeAspect="1"/>
+          </p:cNvPicPr>
+          <p:nvPr/>
+        </p:nvPicPr>
+        <p:blipFill>
+          <a:blip r:embed="rId2" cstate="print">
             <a:extLst>
               <a:ext uri="{28A0092B-C50C-407E-A947-70E740481C1C}">
                 <a14:useLocalDpi xmlns:a14="http://schemas.microsoft.com/office/drawing/2010/main" val="0"/>
@@ -4526,8 +4772,8 @@
         </p:blipFill>
         <p:spPr>
           <a:xfrm>
-            <a:off x="7257909" y="557048"/>
-            <a:ext cx="4185015" cy="3733252"/>
+            <a:off x="8145516" y="3176225"/>
+            <a:ext cx="3363859" cy="3000738"/>
           </a:xfrm>
           <a:prstGeom prst="rect">
             <a:avLst/>
@@ -4537,7 +4783,7 @@
     </p:spTree>
     <p:extLst>
       <p:ext uri="{BB962C8B-B14F-4D97-AF65-F5344CB8AC3E}">
-        <p14:creationId xmlns:p14="http://schemas.microsoft.com/office/powerpoint/2010/main" val="3100314603"/>
+        <p14:creationId xmlns:p14="http://schemas.microsoft.com/office/powerpoint/2010/main" val="1757458756"/>
       </p:ext>
     </p:extLst>
   </p:cSld>
